--- a/Core skills for bioinformatics.pptx
+++ b/Core skills for bioinformatics.pptx
@@ -26758,7 +26758,13 @@
               </a:rPr>
               <a:t>https://github.com/Lachiemckbioinfo/ResBaz2025-dataset</a:t>
             </a:r>
-            <a:endParaRPr lang="en-AU"/>
+            <a:endParaRPr lang="en-AU" noProof="0" dirty="0"/>
+          </a:p>
+          <a:p>
+            <a:r>
+              <a:rPr lang="en-AU" dirty="0"/>
+              <a:t>Click on file, click dots on top-right, and select download</a:t>
+            </a:r>
           </a:p>
           <a:p>
             <a:endParaRPr lang="en-AU" noProof="0" dirty="0"/>
@@ -27392,8 +27398,37 @@
         </p:blipFill>
         <p:spPr>
           <a:xfrm>
-            <a:off x="9334500" y="3918996"/>
-            <a:ext cx="2857500" cy="2857500"/>
+            <a:off x="7635855" y="232608"/>
+            <a:ext cx="3468049" cy="3468049"/>
+          </a:xfrm>
+          <a:prstGeom prst="rect">
+            <a:avLst/>
+          </a:prstGeom>
+        </p:spPr>
+      </p:pic>
+      <p:pic>
+        <p:nvPicPr>
+          <p:cNvPr id="18" name="Picture 17">
+            <a:extLst>
+              <a:ext uri="{FF2B5EF4-FFF2-40B4-BE49-F238E27FC236}">
+                <a16:creationId xmlns:a16="http://schemas.microsoft.com/office/drawing/2014/main" id="{B624DB3D-B9E3-E982-A3AF-A0D08CA9DB07}"/>
+              </a:ext>
+            </a:extLst>
+          </p:cNvPr>
+          <p:cNvPicPr>
+            <a:picLocks noChangeAspect="1"/>
+          </p:cNvPicPr>
+          <p:nvPr/>
+        </p:nvPicPr>
+        <p:blipFill>
+          <a:blip r:embed="rId4"/>
+          <a:srcRect l="5725" r="25211"/>
+          <a:stretch/>
+        </p:blipFill>
+        <p:spPr>
+          <a:xfrm>
+            <a:off x="4082636" y="3595018"/>
+            <a:ext cx="7947340" cy="3126457"/>
           </a:xfrm>
           <a:prstGeom prst="rect">
             <a:avLst/>
